--- a/ppt 16-9/0536.必须倒空.pptx
+++ b/ppt 16-9/0536.必须倒空.pptx
@@ -5,7 +5,7 @@
     <p:sldMasterId id="2147483648" r:id="rId1"/>
   </p:sldMasterIdLst>
   <p:sldIdLst>
-    <p:sldId id="2279" r:id="rId2"/>
+    <p:sldId id="2281" r:id="rId2"/>
   </p:sldIdLst>
   <p:sldSz cx="12192000" cy="6858000"/>
   <p:notesSz cx="6858000" cy="9144000"/>
@@ -129,7 +129,7 @@
           <p:cNvPr id="2" name="标题 1">
             <a:extLst>
               <a:ext uri="{FF2B5EF4-FFF2-40B4-BE49-F238E27FC236}">
-                <a16:creationId xmlns:a16="http://schemas.microsoft.com/office/drawing/2014/main" id="{0474804E-EC62-4382-8B08-C46D9929A390}"/>
+                <a16:creationId xmlns:a16="http://schemas.microsoft.com/office/drawing/2014/main" id="{C48BE612-DF11-E42B-CD16-A1DF31754E34}"/>
               </a:ext>
             </a:extLst>
           </p:cNvPr>
@@ -166,7 +166,7 @@
           <p:cNvPr id="3" name="副标题 2">
             <a:extLst>
               <a:ext uri="{FF2B5EF4-FFF2-40B4-BE49-F238E27FC236}">
-                <a16:creationId xmlns:a16="http://schemas.microsoft.com/office/drawing/2014/main" id="{121627D8-B3E3-9370-2433-8651D8F39840}"/>
+                <a16:creationId xmlns:a16="http://schemas.microsoft.com/office/drawing/2014/main" id="{9B56D16E-EACF-78D1-D0EB-132EF0F8FBCC}"/>
               </a:ext>
             </a:extLst>
           </p:cNvPr>
@@ -236,7 +236,7 @@
           <p:cNvPr id="4" name="日期占位符 3">
             <a:extLst>
               <a:ext uri="{FF2B5EF4-FFF2-40B4-BE49-F238E27FC236}">
-                <a16:creationId xmlns:a16="http://schemas.microsoft.com/office/drawing/2014/main" id="{BDEF0ECE-8AF2-9651-3FAF-03B471731226}"/>
+                <a16:creationId xmlns:a16="http://schemas.microsoft.com/office/drawing/2014/main" id="{2605539F-94FF-4F08-9FE8-3C0047CF6406}"/>
               </a:ext>
             </a:extLst>
           </p:cNvPr>
@@ -252,7 +252,7 @@
           <a:bodyPr/>
           <a:lstStyle/>
           <a:p>
-            <a:fld id="{226093E1-DAE0-413F-AB00-62F7655970DD}" type="datetimeFigureOut">
+            <a:fld id="{AE024FEE-BE33-49F9-995E-8140768A638C}" type="datetimeFigureOut">
               <a:rPr lang="zh-CN" altLang="en-US" smtClean="0"/>
               <a:t>2024/3/10</a:t>
             </a:fld>
@@ -265,7 +265,7 @@
           <p:cNvPr id="5" name="页脚占位符 4">
             <a:extLst>
               <a:ext uri="{FF2B5EF4-FFF2-40B4-BE49-F238E27FC236}">
-                <a16:creationId xmlns:a16="http://schemas.microsoft.com/office/drawing/2014/main" id="{682A6CE9-0E67-F975-691D-AA375D5A9A32}"/>
+                <a16:creationId xmlns:a16="http://schemas.microsoft.com/office/drawing/2014/main" id="{EA0EAEAF-0C79-FFA4-ECFE-A31DF285821C}"/>
               </a:ext>
             </a:extLst>
           </p:cNvPr>
@@ -290,7 +290,7 @@
           <p:cNvPr id="6" name="灯片编号占位符 5">
             <a:extLst>
               <a:ext uri="{FF2B5EF4-FFF2-40B4-BE49-F238E27FC236}">
-                <a16:creationId xmlns:a16="http://schemas.microsoft.com/office/drawing/2014/main" id="{2513F6A7-A867-8655-9DC0-26155995B4F2}"/>
+                <a16:creationId xmlns:a16="http://schemas.microsoft.com/office/drawing/2014/main" id="{7747BA8B-E4B7-33C7-492F-EB04C7745A7F}"/>
               </a:ext>
             </a:extLst>
           </p:cNvPr>
@@ -306,7 +306,7 @@
           <a:bodyPr/>
           <a:lstStyle/>
           <a:p>
-            <a:fld id="{7FC79854-85A4-4E76-B7D1-D9D18FBDBE1B}" type="slidenum">
+            <a:fld id="{8912F87E-24AE-4C83-B5FE-200D4BBFC76D}" type="slidenum">
               <a:rPr lang="zh-CN" altLang="en-US" smtClean="0"/>
               <a:t>‹#›</a:t>
             </a:fld>
@@ -317,7 +317,7 @@
     </p:spTree>
     <p:extLst>
       <p:ext uri="{BB962C8B-B14F-4D97-AF65-F5344CB8AC3E}">
-        <p14:creationId xmlns:p14="http://schemas.microsoft.com/office/powerpoint/2010/main" val="1937765857"/>
+        <p14:creationId xmlns:p14="http://schemas.microsoft.com/office/powerpoint/2010/main" val="4243066706"/>
       </p:ext>
     </p:extLst>
   </p:cSld>
@@ -349,7 +349,7 @@
           <p:cNvPr id="2" name="标题 1">
             <a:extLst>
               <a:ext uri="{FF2B5EF4-FFF2-40B4-BE49-F238E27FC236}">
-                <a16:creationId xmlns:a16="http://schemas.microsoft.com/office/drawing/2014/main" id="{4FBA0854-2892-3EF4-0D11-BCBC0DBBC25B}"/>
+                <a16:creationId xmlns:a16="http://schemas.microsoft.com/office/drawing/2014/main" id="{B09AC512-FD5E-62CA-CED6-8FFEC74F1A2C}"/>
               </a:ext>
             </a:extLst>
           </p:cNvPr>
@@ -377,7 +377,7 @@
           <p:cNvPr id="3" name="竖排文字占位符 2">
             <a:extLst>
               <a:ext uri="{FF2B5EF4-FFF2-40B4-BE49-F238E27FC236}">
-                <a16:creationId xmlns:a16="http://schemas.microsoft.com/office/drawing/2014/main" id="{A9767673-FAE8-9626-F023-5F13B465803D}"/>
+                <a16:creationId xmlns:a16="http://schemas.microsoft.com/office/drawing/2014/main" id="{D86441EE-7546-37D7-4C2B-496F846CA3C6}"/>
               </a:ext>
             </a:extLst>
           </p:cNvPr>
@@ -434,7 +434,7 @@
           <p:cNvPr id="4" name="日期占位符 3">
             <a:extLst>
               <a:ext uri="{FF2B5EF4-FFF2-40B4-BE49-F238E27FC236}">
-                <a16:creationId xmlns:a16="http://schemas.microsoft.com/office/drawing/2014/main" id="{5E03FB8C-78D9-F811-FF1D-F6870A973561}"/>
+                <a16:creationId xmlns:a16="http://schemas.microsoft.com/office/drawing/2014/main" id="{7520B83B-62C0-62DC-CBFE-D4FB0A56998F}"/>
               </a:ext>
             </a:extLst>
           </p:cNvPr>
@@ -450,7 +450,7 @@
           <a:bodyPr/>
           <a:lstStyle/>
           <a:p>
-            <a:fld id="{226093E1-DAE0-413F-AB00-62F7655970DD}" type="datetimeFigureOut">
+            <a:fld id="{AE024FEE-BE33-49F9-995E-8140768A638C}" type="datetimeFigureOut">
               <a:rPr lang="zh-CN" altLang="en-US" smtClean="0"/>
               <a:t>2024/3/10</a:t>
             </a:fld>
@@ -463,7 +463,7 @@
           <p:cNvPr id="5" name="页脚占位符 4">
             <a:extLst>
               <a:ext uri="{FF2B5EF4-FFF2-40B4-BE49-F238E27FC236}">
-                <a16:creationId xmlns:a16="http://schemas.microsoft.com/office/drawing/2014/main" id="{8E6AAC70-2549-B4D1-962A-DAED41873E27}"/>
+                <a16:creationId xmlns:a16="http://schemas.microsoft.com/office/drawing/2014/main" id="{572B4BBC-20E2-6AA3-A048-F09413D91159}"/>
               </a:ext>
             </a:extLst>
           </p:cNvPr>
@@ -488,7 +488,7 @@
           <p:cNvPr id="6" name="灯片编号占位符 5">
             <a:extLst>
               <a:ext uri="{FF2B5EF4-FFF2-40B4-BE49-F238E27FC236}">
-                <a16:creationId xmlns:a16="http://schemas.microsoft.com/office/drawing/2014/main" id="{185FC010-F18B-AEEE-B72E-F48AC44854FF}"/>
+                <a16:creationId xmlns:a16="http://schemas.microsoft.com/office/drawing/2014/main" id="{EF8D5B59-DE97-02BE-651E-3D41C7338E8E}"/>
               </a:ext>
             </a:extLst>
           </p:cNvPr>
@@ -504,7 +504,7 @@
           <a:bodyPr/>
           <a:lstStyle/>
           <a:p>
-            <a:fld id="{7FC79854-85A4-4E76-B7D1-D9D18FBDBE1B}" type="slidenum">
+            <a:fld id="{8912F87E-24AE-4C83-B5FE-200D4BBFC76D}" type="slidenum">
               <a:rPr lang="zh-CN" altLang="en-US" smtClean="0"/>
               <a:t>‹#›</a:t>
             </a:fld>
@@ -515,7 +515,7 @@
     </p:spTree>
     <p:extLst>
       <p:ext uri="{BB962C8B-B14F-4D97-AF65-F5344CB8AC3E}">
-        <p14:creationId xmlns:p14="http://schemas.microsoft.com/office/powerpoint/2010/main" val="72237371"/>
+        <p14:creationId xmlns:p14="http://schemas.microsoft.com/office/powerpoint/2010/main" val="1817986123"/>
       </p:ext>
     </p:extLst>
   </p:cSld>
@@ -547,7 +547,7 @@
           <p:cNvPr id="2" name="竖排标题 1">
             <a:extLst>
               <a:ext uri="{FF2B5EF4-FFF2-40B4-BE49-F238E27FC236}">
-                <a16:creationId xmlns:a16="http://schemas.microsoft.com/office/drawing/2014/main" id="{7E8963FC-81E2-0F6C-A059-09D4D01C77B7}"/>
+                <a16:creationId xmlns:a16="http://schemas.microsoft.com/office/drawing/2014/main" id="{53ECD3AB-2BF4-8D2E-98C9-581D813C4E02}"/>
               </a:ext>
             </a:extLst>
           </p:cNvPr>
@@ -580,7 +580,7 @@
           <p:cNvPr id="3" name="竖排文字占位符 2">
             <a:extLst>
               <a:ext uri="{FF2B5EF4-FFF2-40B4-BE49-F238E27FC236}">
-                <a16:creationId xmlns:a16="http://schemas.microsoft.com/office/drawing/2014/main" id="{0B2646B1-0A18-4E15-0CCD-2E5CE8A48AE6}"/>
+                <a16:creationId xmlns:a16="http://schemas.microsoft.com/office/drawing/2014/main" id="{3B54B5F4-1757-C8C5-53E5-CD977ADE1070}"/>
               </a:ext>
             </a:extLst>
           </p:cNvPr>
@@ -642,7 +642,7 @@
           <p:cNvPr id="4" name="日期占位符 3">
             <a:extLst>
               <a:ext uri="{FF2B5EF4-FFF2-40B4-BE49-F238E27FC236}">
-                <a16:creationId xmlns:a16="http://schemas.microsoft.com/office/drawing/2014/main" id="{A769373B-3248-B8B5-369E-404EC9387FB3}"/>
+                <a16:creationId xmlns:a16="http://schemas.microsoft.com/office/drawing/2014/main" id="{A18CB5F1-7855-D465-0CF7-201A6E3C6047}"/>
               </a:ext>
             </a:extLst>
           </p:cNvPr>
@@ -658,7 +658,7 @@
           <a:bodyPr/>
           <a:lstStyle/>
           <a:p>
-            <a:fld id="{226093E1-DAE0-413F-AB00-62F7655970DD}" type="datetimeFigureOut">
+            <a:fld id="{AE024FEE-BE33-49F9-995E-8140768A638C}" type="datetimeFigureOut">
               <a:rPr lang="zh-CN" altLang="en-US" smtClean="0"/>
               <a:t>2024/3/10</a:t>
             </a:fld>
@@ -671,7 +671,7 @@
           <p:cNvPr id="5" name="页脚占位符 4">
             <a:extLst>
               <a:ext uri="{FF2B5EF4-FFF2-40B4-BE49-F238E27FC236}">
-                <a16:creationId xmlns:a16="http://schemas.microsoft.com/office/drawing/2014/main" id="{6841416A-6DB6-2D44-D194-C4426CCFCB36}"/>
+                <a16:creationId xmlns:a16="http://schemas.microsoft.com/office/drawing/2014/main" id="{8BF04E5A-4111-3EC1-06EA-674AFD66534B}"/>
               </a:ext>
             </a:extLst>
           </p:cNvPr>
@@ -696,7 +696,7 @@
           <p:cNvPr id="6" name="灯片编号占位符 5">
             <a:extLst>
               <a:ext uri="{FF2B5EF4-FFF2-40B4-BE49-F238E27FC236}">
-                <a16:creationId xmlns:a16="http://schemas.microsoft.com/office/drawing/2014/main" id="{E0DAF5F9-02C3-BF86-2CFF-1AFD4778DD8A}"/>
+                <a16:creationId xmlns:a16="http://schemas.microsoft.com/office/drawing/2014/main" id="{15523196-0E6B-5ADF-CF76-A5FF6C9AD7BF}"/>
               </a:ext>
             </a:extLst>
           </p:cNvPr>
@@ -712,7 +712,7 @@
           <a:bodyPr/>
           <a:lstStyle/>
           <a:p>
-            <a:fld id="{7FC79854-85A4-4E76-B7D1-D9D18FBDBE1B}" type="slidenum">
+            <a:fld id="{8912F87E-24AE-4C83-B5FE-200D4BBFC76D}" type="slidenum">
               <a:rPr lang="zh-CN" altLang="en-US" smtClean="0"/>
               <a:t>‹#›</a:t>
             </a:fld>
@@ -723,7 +723,7 @@
     </p:spTree>
     <p:extLst>
       <p:ext uri="{BB962C8B-B14F-4D97-AF65-F5344CB8AC3E}">
-        <p14:creationId xmlns:p14="http://schemas.microsoft.com/office/powerpoint/2010/main" val="174340631"/>
+        <p14:creationId xmlns:p14="http://schemas.microsoft.com/office/powerpoint/2010/main" val="1070502592"/>
       </p:ext>
     </p:extLst>
   </p:cSld>
@@ -755,7 +755,7 @@
           <p:cNvPr id="2" name="标题 1">
             <a:extLst>
               <a:ext uri="{FF2B5EF4-FFF2-40B4-BE49-F238E27FC236}">
-                <a16:creationId xmlns:a16="http://schemas.microsoft.com/office/drawing/2014/main" id="{92803923-9243-C569-6B1D-B85CA94177E3}"/>
+                <a16:creationId xmlns:a16="http://schemas.microsoft.com/office/drawing/2014/main" id="{D5E0C1E4-263F-24B2-F090-AE975B5D959E}"/>
               </a:ext>
             </a:extLst>
           </p:cNvPr>
@@ -783,7 +783,7 @@
           <p:cNvPr id="3" name="内容占位符 2">
             <a:extLst>
               <a:ext uri="{FF2B5EF4-FFF2-40B4-BE49-F238E27FC236}">
-                <a16:creationId xmlns:a16="http://schemas.microsoft.com/office/drawing/2014/main" id="{A22E80B4-CD2D-2396-7A21-31695AD73BB7}"/>
+                <a16:creationId xmlns:a16="http://schemas.microsoft.com/office/drawing/2014/main" id="{9AB2D8B7-D5D3-3696-C954-FA679DAFE2A8}"/>
               </a:ext>
             </a:extLst>
           </p:cNvPr>
@@ -840,7 +840,7 @@
           <p:cNvPr id="4" name="日期占位符 3">
             <a:extLst>
               <a:ext uri="{FF2B5EF4-FFF2-40B4-BE49-F238E27FC236}">
-                <a16:creationId xmlns:a16="http://schemas.microsoft.com/office/drawing/2014/main" id="{8882EA47-C203-78CE-B5F7-3E3C415202AE}"/>
+                <a16:creationId xmlns:a16="http://schemas.microsoft.com/office/drawing/2014/main" id="{5FF13196-15AB-DF36-C23F-3A0A85411165}"/>
               </a:ext>
             </a:extLst>
           </p:cNvPr>
@@ -856,7 +856,7 @@
           <a:bodyPr/>
           <a:lstStyle/>
           <a:p>
-            <a:fld id="{226093E1-DAE0-413F-AB00-62F7655970DD}" type="datetimeFigureOut">
+            <a:fld id="{AE024FEE-BE33-49F9-995E-8140768A638C}" type="datetimeFigureOut">
               <a:rPr lang="zh-CN" altLang="en-US" smtClean="0"/>
               <a:t>2024/3/10</a:t>
             </a:fld>
@@ -869,7 +869,7 @@
           <p:cNvPr id="5" name="页脚占位符 4">
             <a:extLst>
               <a:ext uri="{FF2B5EF4-FFF2-40B4-BE49-F238E27FC236}">
-                <a16:creationId xmlns:a16="http://schemas.microsoft.com/office/drawing/2014/main" id="{BAF5AFA2-2243-F6DE-BD8B-955BA7C7DB51}"/>
+                <a16:creationId xmlns:a16="http://schemas.microsoft.com/office/drawing/2014/main" id="{BD059A94-3640-3249-9243-8752579E8536}"/>
               </a:ext>
             </a:extLst>
           </p:cNvPr>
@@ -894,7 +894,7 @@
           <p:cNvPr id="6" name="灯片编号占位符 5">
             <a:extLst>
               <a:ext uri="{FF2B5EF4-FFF2-40B4-BE49-F238E27FC236}">
-                <a16:creationId xmlns:a16="http://schemas.microsoft.com/office/drawing/2014/main" id="{1F58C2A9-6B90-2B51-AB23-4866CB2B9889}"/>
+                <a16:creationId xmlns:a16="http://schemas.microsoft.com/office/drawing/2014/main" id="{CDB306DD-88B0-D387-E7A3-B272D3CA8E7D}"/>
               </a:ext>
             </a:extLst>
           </p:cNvPr>
@@ -910,7 +910,7 @@
           <a:bodyPr/>
           <a:lstStyle/>
           <a:p>
-            <a:fld id="{7FC79854-85A4-4E76-B7D1-D9D18FBDBE1B}" type="slidenum">
+            <a:fld id="{8912F87E-24AE-4C83-B5FE-200D4BBFC76D}" type="slidenum">
               <a:rPr lang="zh-CN" altLang="en-US" smtClean="0"/>
               <a:t>‹#›</a:t>
             </a:fld>
@@ -921,7 +921,7 @@
     </p:spTree>
     <p:extLst>
       <p:ext uri="{BB962C8B-B14F-4D97-AF65-F5344CB8AC3E}">
-        <p14:creationId xmlns:p14="http://schemas.microsoft.com/office/powerpoint/2010/main" val="3884724571"/>
+        <p14:creationId xmlns:p14="http://schemas.microsoft.com/office/powerpoint/2010/main" val="287805974"/>
       </p:ext>
     </p:extLst>
   </p:cSld>
@@ -953,7 +953,7 @@
           <p:cNvPr id="2" name="标题 1">
             <a:extLst>
               <a:ext uri="{FF2B5EF4-FFF2-40B4-BE49-F238E27FC236}">
-                <a16:creationId xmlns:a16="http://schemas.microsoft.com/office/drawing/2014/main" id="{926A7D36-5B26-D4C5-B6C0-281933E5DA93}"/>
+                <a16:creationId xmlns:a16="http://schemas.microsoft.com/office/drawing/2014/main" id="{FD20C72C-6640-9C23-C01D-680CD1853027}"/>
               </a:ext>
             </a:extLst>
           </p:cNvPr>
@@ -990,7 +990,7 @@
           <p:cNvPr id="3" name="文本占位符 2">
             <a:extLst>
               <a:ext uri="{FF2B5EF4-FFF2-40B4-BE49-F238E27FC236}">
-                <a16:creationId xmlns:a16="http://schemas.microsoft.com/office/drawing/2014/main" id="{19739DD5-CE75-E4B7-CE01-1A02A5521C95}"/>
+                <a16:creationId xmlns:a16="http://schemas.microsoft.com/office/drawing/2014/main" id="{8580371D-3EF1-04FA-D779-6EE6CA9C0F86}"/>
               </a:ext>
             </a:extLst>
           </p:cNvPr>
@@ -1115,7 +1115,7 @@
           <p:cNvPr id="4" name="日期占位符 3">
             <a:extLst>
               <a:ext uri="{FF2B5EF4-FFF2-40B4-BE49-F238E27FC236}">
-                <a16:creationId xmlns:a16="http://schemas.microsoft.com/office/drawing/2014/main" id="{6CC8A8D1-AFBC-8C33-9F10-CC9EEEE865E6}"/>
+                <a16:creationId xmlns:a16="http://schemas.microsoft.com/office/drawing/2014/main" id="{A7991F20-4C06-E49E-3E98-D5293C87A678}"/>
               </a:ext>
             </a:extLst>
           </p:cNvPr>
@@ -1131,7 +1131,7 @@
           <a:bodyPr/>
           <a:lstStyle/>
           <a:p>
-            <a:fld id="{226093E1-DAE0-413F-AB00-62F7655970DD}" type="datetimeFigureOut">
+            <a:fld id="{AE024FEE-BE33-49F9-995E-8140768A638C}" type="datetimeFigureOut">
               <a:rPr lang="zh-CN" altLang="en-US" smtClean="0"/>
               <a:t>2024/3/10</a:t>
             </a:fld>
@@ -1144,7 +1144,7 @@
           <p:cNvPr id="5" name="页脚占位符 4">
             <a:extLst>
               <a:ext uri="{FF2B5EF4-FFF2-40B4-BE49-F238E27FC236}">
-                <a16:creationId xmlns:a16="http://schemas.microsoft.com/office/drawing/2014/main" id="{25AE7C82-4BF2-46F0-ED7F-6F28B35871FD}"/>
+                <a16:creationId xmlns:a16="http://schemas.microsoft.com/office/drawing/2014/main" id="{CA7D949D-C656-B833-BA1E-BDA0CBA76788}"/>
               </a:ext>
             </a:extLst>
           </p:cNvPr>
@@ -1169,7 +1169,7 @@
           <p:cNvPr id="6" name="灯片编号占位符 5">
             <a:extLst>
               <a:ext uri="{FF2B5EF4-FFF2-40B4-BE49-F238E27FC236}">
-                <a16:creationId xmlns:a16="http://schemas.microsoft.com/office/drawing/2014/main" id="{546C1735-A815-21E6-D39B-685ACCC123D0}"/>
+                <a16:creationId xmlns:a16="http://schemas.microsoft.com/office/drawing/2014/main" id="{AD675458-8AE2-EF08-6753-DC3DB8B87380}"/>
               </a:ext>
             </a:extLst>
           </p:cNvPr>
@@ -1185,7 +1185,7 @@
           <a:bodyPr/>
           <a:lstStyle/>
           <a:p>
-            <a:fld id="{7FC79854-85A4-4E76-B7D1-D9D18FBDBE1B}" type="slidenum">
+            <a:fld id="{8912F87E-24AE-4C83-B5FE-200D4BBFC76D}" type="slidenum">
               <a:rPr lang="zh-CN" altLang="en-US" smtClean="0"/>
               <a:t>‹#›</a:t>
             </a:fld>
@@ -1196,7 +1196,7 @@
     </p:spTree>
     <p:extLst>
       <p:ext uri="{BB962C8B-B14F-4D97-AF65-F5344CB8AC3E}">
-        <p14:creationId xmlns:p14="http://schemas.microsoft.com/office/powerpoint/2010/main" val="2579952590"/>
+        <p14:creationId xmlns:p14="http://schemas.microsoft.com/office/powerpoint/2010/main" val="246393019"/>
       </p:ext>
     </p:extLst>
   </p:cSld>
@@ -1228,7 +1228,7 @@
           <p:cNvPr id="2" name="标题 1">
             <a:extLst>
               <a:ext uri="{FF2B5EF4-FFF2-40B4-BE49-F238E27FC236}">
-                <a16:creationId xmlns:a16="http://schemas.microsoft.com/office/drawing/2014/main" id="{D64EF02F-A54A-9DEE-E8C5-192CF2A068DB}"/>
+                <a16:creationId xmlns:a16="http://schemas.microsoft.com/office/drawing/2014/main" id="{4486588F-8267-3B43-36AF-F191F6E166CA}"/>
               </a:ext>
             </a:extLst>
           </p:cNvPr>
@@ -1256,7 +1256,7 @@
           <p:cNvPr id="3" name="内容占位符 2">
             <a:extLst>
               <a:ext uri="{FF2B5EF4-FFF2-40B4-BE49-F238E27FC236}">
-                <a16:creationId xmlns:a16="http://schemas.microsoft.com/office/drawing/2014/main" id="{6A5D64D0-A318-21E7-FFB1-92A3B1D9984F}"/>
+                <a16:creationId xmlns:a16="http://schemas.microsoft.com/office/drawing/2014/main" id="{21D64D72-089B-0B9B-4E2F-F4F55B6AAA97}"/>
               </a:ext>
             </a:extLst>
           </p:cNvPr>
@@ -1318,7 +1318,7 @@
           <p:cNvPr id="4" name="内容占位符 3">
             <a:extLst>
               <a:ext uri="{FF2B5EF4-FFF2-40B4-BE49-F238E27FC236}">
-                <a16:creationId xmlns:a16="http://schemas.microsoft.com/office/drawing/2014/main" id="{7BC6D998-53ED-BE1C-B455-0E089492950B}"/>
+                <a16:creationId xmlns:a16="http://schemas.microsoft.com/office/drawing/2014/main" id="{60169687-4368-F735-CEC2-4E9C82FDEE45}"/>
               </a:ext>
             </a:extLst>
           </p:cNvPr>
@@ -1380,7 +1380,7 @@
           <p:cNvPr id="5" name="日期占位符 4">
             <a:extLst>
               <a:ext uri="{FF2B5EF4-FFF2-40B4-BE49-F238E27FC236}">
-                <a16:creationId xmlns:a16="http://schemas.microsoft.com/office/drawing/2014/main" id="{2F9A4504-257C-4969-0D5D-36B2BB918701}"/>
+                <a16:creationId xmlns:a16="http://schemas.microsoft.com/office/drawing/2014/main" id="{448D4598-9B1E-D93C-8B13-D9FE34E4B7F1}"/>
               </a:ext>
             </a:extLst>
           </p:cNvPr>
@@ -1396,7 +1396,7 @@
           <a:bodyPr/>
           <a:lstStyle/>
           <a:p>
-            <a:fld id="{226093E1-DAE0-413F-AB00-62F7655970DD}" type="datetimeFigureOut">
+            <a:fld id="{AE024FEE-BE33-49F9-995E-8140768A638C}" type="datetimeFigureOut">
               <a:rPr lang="zh-CN" altLang="en-US" smtClean="0"/>
               <a:t>2024/3/10</a:t>
             </a:fld>
@@ -1409,7 +1409,7 @@
           <p:cNvPr id="6" name="页脚占位符 5">
             <a:extLst>
               <a:ext uri="{FF2B5EF4-FFF2-40B4-BE49-F238E27FC236}">
-                <a16:creationId xmlns:a16="http://schemas.microsoft.com/office/drawing/2014/main" id="{FCDF6E7C-8C25-27ED-951D-7804ABC40B24}"/>
+                <a16:creationId xmlns:a16="http://schemas.microsoft.com/office/drawing/2014/main" id="{B2F99FCC-D16F-4B8E-6D63-F3604222DBCC}"/>
               </a:ext>
             </a:extLst>
           </p:cNvPr>
@@ -1434,7 +1434,7 @@
           <p:cNvPr id="7" name="灯片编号占位符 6">
             <a:extLst>
               <a:ext uri="{FF2B5EF4-FFF2-40B4-BE49-F238E27FC236}">
-                <a16:creationId xmlns:a16="http://schemas.microsoft.com/office/drawing/2014/main" id="{FEFD4A46-DE98-30A0-398B-F56F1B04B0A9}"/>
+                <a16:creationId xmlns:a16="http://schemas.microsoft.com/office/drawing/2014/main" id="{1191B1E9-A1C0-0480-0ECF-E8E094A75688}"/>
               </a:ext>
             </a:extLst>
           </p:cNvPr>
@@ -1450,7 +1450,7 @@
           <a:bodyPr/>
           <a:lstStyle/>
           <a:p>
-            <a:fld id="{7FC79854-85A4-4E76-B7D1-D9D18FBDBE1B}" type="slidenum">
+            <a:fld id="{8912F87E-24AE-4C83-B5FE-200D4BBFC76D}" type="slidenum">
               <a:rPr lang="zh-CN" altLang="en-US" smtClean="0"/>
               <a:t>‹#›</a:t>
             </a:fld>
@@ -1461,7 +1461,7 @@
     </p:spTree>
     <p:extLst>
       <p:ext uri="{BB962C8B-B14F-4D97-AF65-F5344CB8AC3E}">
-        <p14:creationId xmlns:p14="http://schemas.microsoft.com/office/powerpoint/2010/main" val="3078224673"/>
+        <p14:creationId xmlns:p14="http://schemas.microsoft.com/office/powerpoint/2010/main" val="3829694267"/>
       </p:ext>
     </p:extLst>
   </p:cSld>
@@ -1493,7 +1493,7 @@
           <p:cNvPr id="2" name="标题 1">
             <a:extLst>
               <a:ext uri="{FF2B5EF4-FFF2-40B4-BE49-F238E27FC236}">
-                <a16:creationId xmlns:a16="http://schemas.microsoft.com/office/drawing/2014/main" id="{F8F1F302-A118-8928-52C5-43F9AE2AC003}"/>
+                <a16:creationId xmlns:a16="http://schemas.microsoft.com/office/drawing/2014/main" id="{7AC0FC2D-9BA2-568A-9262-5A8F5EDC54C1}"/>
               </a:ext>
             </a:extLst>
           </p:cNvPr>
@@ -1526,7 +1526,7 @@
           <p:cNvPr id="3" name="文本占位符 2">
             <a:extLst>
               <a:ext uri="{FF2B5EF4-FFF2-40B4-BE49-F238E27FC236}">
-                <a16:creationId xmlns:a16="http://schemas.microsoft.com/office/drawing/2014/main" id="{9386322C-30CB-0A17-9BCC-400C1F78E151}"/>
+                <a16:creationId xmlns:a16="http://schemas.microsoft.com/office/drawing/2014/main" id="{FD90966C-0E07-C28A-8E9D-EC87CF92B9DC}"/>
               </a:ext>
             </a:extLst>
           </p:cNvPr>
@@ -1597,7 +1597,7 @@
           <p:cNvPr id="4" name="内容占位符 3">
             <a:extLst>
               <a:ext uri="{FF2B5EF4-FFF2-40B4-BE49-F238E27FC236}">
-                <a16:creationId xmlns:a16="http://schemas.microsoft.com/office/drawing/2014/main" id="{C79291A3-2E33-9264-06CC-2490D1D31FD6}"/>
+                <a16:creationId xmlns:a16="http://schemas.microsoft.com/office/drawing/2014/main" id="{8C0172D2-EBB1-3963-5E60-9AB559A811E5}"/>
               </a:ext>
             </a:extLst>
           </p:cNvPr>
@@ -1659,7 +1659,7 @@
           <p:cNvPr id="5" name="文本占位符 4">
             <a:extLst>
               <a:ext uri="{FF2B5EF4-FFF2-40B4-BE49-F238E27FC236}">
-                <a16:creationId xmlns:a16="http://schemas.microsoft.com/office/drawing/2014/main" id="{7BC7FC74-D10E-DE1C-7E38-F6A9B73529EA}"/>
+                <a16:creationId xmlns:a16="http://schemas.microsoft.com/office/drawing/2014/main" id="{60E3539C-ED55-5777-2303-691AAA4C3E2D}"/>
               </a:ext>
             </a:extLst>
           </p:cNvPr>
@@ -1730,7 +1730,7 @@
           <p:cNvPr id="6" name="内容占位符 5">
             <a:extLst>
               <a:ext uri="{FF2B5EF4-FFF2-40B4-BE49-F238E27FC236}">
-                <a16:creationId xmlns:a16="http://schemas.microsoft.com/office/drawing/2014/main" id="{1706D3B4-C588-B9C1-9829-2551844A17EA}"/>
+                <a16:creationId xmlns:a16="http://schemas.microsoft.com/office/drawing/2014/main" id="{C45724C4-F70E-B499-C6CA-2BF5154C9C55}"/>
               </a:ext>
             </a:extLst>
           </p:cNvPr>
@@ -1792,7 +1792,7 @@
           <p:cNvPr id="7" name="日期占位符 6">
             <a:extLst>
               <a:ext uri="{FF2B5EF4-FFF2-40B4-BE49-F238E27FC236}">
-                <a16:creationId xmlns:a16="http://schemas.microsoft.com/office/drawing/2014/main" id="{FA6460D2-72C2-D8B1-C3FD-87A2F34A2A26}"/>
+                <a16:creationId xmlns:a16="http://schemas.microsoft.com/office/drawing/2014/main" id="{575F9BC4-11B2-4095-4A3E-C18F86524E16}"/>
               </a:ext>
             </a:extLst>
           </p:cNvPr>
@@ -1808,7 +1808,7 @@
           <a:bodyPr/>
           <a:lstStyle/>
           <a:p>
-            <a:fld id="{226093E1-DAE0-413F-AB00-62F7655970DD}" type="datetimeFigureOut">
+            <a:fld id="{AE024FEE-BE33-49F9-995E-8140768A638C}" type="datetimeFigureOut">
               <a:rPr lang="zh-CN" altLang="en-US" smtClean="0"/>
               <a:t>2024/3/10</a:t>
             </a:fld>
@@ -1821,7 +1821,7 @@
           <p:cNvPr id="8" name="页脚占位符 7">
             <a:extLst>
               <a:ext uri="{FF2B5EF4-FFF2-40B4-BE49-F238E27FC236}">
-                <a16:creationId xmlns:a16="http://schemas.microsoft.com/office/drawing/2014/main" id="{94D9AD8B-D4A4-1685-0128-B72437767603}"/>
+                <a16:creationId xmlns:a16="http://schemas.microsoft.com/office/drawing/2014/main" id="{CC9EC0A4-1A86-ADDE-2E34-CEBCC4554546}"/>
               </a:ext>
             </a:extLst>
           </p:cNvPr>
@@ -1846,7 +1846,7 @@
           <p:cNvPr id="9" name="灯片编号占位符 8">
             <a:extLst>
               <a:ext uri="{FF2B5EF4-FFF2-40B4-BE49-F238E27FC236}">
-                <a16:creationId xmlns:a16="http://schemas.microsoft.com/office/drawing/2014/main" id="{496620D8-FC60-0139-5737-7E2212552BB6}"/>
+                <a16:creationId xmlns:a16="http://schemas.microsoft.com/office/drawing/2014/main" id="{0CD3CA99-57D6-DAAB-31EA-B60AA021A93B}"/>
               </a:ext>
             </a:extLst>
           </p:cNvPr>
@@ -1862,7 +1862,7 @@
           <a:bodyPr/>
           <a:lstStyle/>
           <a:p>
-            <a:fld id="{7FC79854-85A4-4E76-B7D1-D9D18FBDBE1B}" type="slidenum">
+            <a:fld id="{8912F87E-24AE-4C83-B5FE-200D4BBFC76D}" type="slidenum">
               <a:rPr lang="zh-CN" altLang="en-US" smtClean="0"/>
               <a:t>‹#›</a:t>
             </a:fld>
@@ -1873,7 +1873,7 @@
     </p:spTree>
     <p:extLst>
       <p:ext uri="{BB962C8B-B14F-4D97-AF65-F5344CB8AC3E}">
-        <p14:creationId xmlns:p14="http://schemas.microsoft.com/office/powerpoint/2010/main" val="1219740224"/>
+        <p14:creationId xmlns:p14="http://schemas.microsoft.com/office/powerpoint/2010/main" val="2177637912"/>
       </p:ext>
     </p:extLst>
   </p:cSld>
@@ -1905,7 +1905,7 @@
           <p:cNvPr id="2" name="标题 1">
             <a:extLst>
               <a:ext uri="{FF2B5EF4-FFF2-40B4-BE49-F238E27FC236}">
-                <a16:creationId xmlns:a16="http://schemas.microsoft.com/office/drawing/2014/main" id="{B63C0825-AF51-A865-0EFF-76D1F8AA2B1C}"/>
+                <a16:creationId xmlns:a16="http://schemas.microsoft.com/office/drawing/2014/main" id="{EE0505B3-9400-0DB2-AC5D-5A9AE5ADDF37}"/>
               </a:ext>
             </a:extLst>
           </p:cNvPr>
@@ -1933,7 +1933,7 @@
           <p:cNvPr id="3" name="日期占位符 2">
             <a:extLst>
               <a:ext uri="{FF2B5EF4-FFF2-40B4-BE49-F238E27FC236}">
-                <a16:creationId xmlns:a16="http://schemas.microsoft.com/office/drawing/2014/main" id="{0EAA9579-B8F1-35C4-1FB8-FD0C64491671}"/>
+                <a16:creationId xmlns:a16="http://schemas.microsoft.com/office/drawing/2014/main" id="{F8B33F35-644B-52DE-6989-4CA968474D51}"/>
               </a:ext>
             </a:extLst>
           </p:cNvPr>
@@ -1949,7 +1949,7 @@
           <a:bodyPr/>
           <a:lstStyle/>
           <a:p>
-            <a:fld id="{226093E1-DAE0-413F-AB00-62F7655970DD}" type="datetimeFigureOut">
+            <a:fld id="{AE024FEE-BE33-49F9-995E-8140768A638C}" type="datetimeFigureOut">
               <a:rPr lang="zh-CN" altLang="en-US" smtClean="0"/>
               <a:t>2024/3/10</a:t>
             </a:fld>
@@ -1962,7 +1962,7 @@
           <p:cNvPr id="4" name="页脚占位符 3">
             <a:extLst>
               <a:ext uri="{FF2B5EF4-FFF2-40B4-BE49-F238E27FC236}">
-                <a16:creationId xmlns:a16="http://schemas.microsoft.com/office/drawing/2014/main" id="{535B5C16-C14A-ED55-7BA5-214A2987EB22}"/>
+                <a16:creationId xmlns:a16="http://schemas.microsoft.com/office/drawing/2014/main" id="{65505060-1246-F861-4B14-53301D4E38D1}"/>
               </a:ext>
             </a:extLst>
           </p:cNvPr>
@@ -1987,7 +1987,7 @@
           <p:cNvPr id="5" name="灯片编号占位符 4">
             <a:extLst>
               <a:ext uri="{FF2B5EF4-FFF2-40B4-BE49-F238E27FC236}">
-                <a16:creationId xmlns:a16="http://schemas.microsoft.com/office/drawing/2014/main" id="{4D6E2C22-70A2-2115-6427-BBC437173220}"/>
+                <a16:creationId xmlns:a16="http://schemas.microsoft.com/office/drawing/2014/main" id="{7350D5AE-A01D-4106-D242-9ABB601E13AC}"/>
               </a:ext>
             </a:extLst>
           </p:cNvPr>
@@ -2003,7 +2003,7 @@
           <a:bodyPr/>
           <a:lstStyle/>
           <a:p>
-            <a:fld id="{7FC79854-85A4-4E76-B7D1-D9D18FBDBE1B}" type="slidenum">
+            <a:fld id="{8912F87E-24AE-4C83-B5FE-200D4BBFC76D}" type="slidenum">
               <a:rPr lang="zh-CN" altLang="en-US" smtClean="0"/>
               <a:t>‹#›</a:t>
             </a:fld>
@@ -2014,7 +2014,7 @@
     </p:spTree>
     <p:extLst>
       <p:ext uri="{BB962C8B-B14F-4D97-AF65-F5344CB8AC3E}">
-        <p14:creationId xmlns:p14="http://schemas.microsoft.com/office/powerpoint/2010/main" val="3385568532"/>
+        <p14:creationId xmlns:p14="http://schemas.microsoft.com/office/powerpoint/2010/main" val="2324988750"/>
       </p:ext>
     </p:extLst>
   </p:cSld>
@@ -2046,7 +2046,7 @@
           <p:cNvPr id="2" name="日期占位符 1">
             <a:extLst>
               <a:ext uri="{FF2B5EF4-FFF2-40B4-BE49-F238E27FC236}">
-                <a16:creationId xmlns:a16="http://schemas.microsoft.com/office/drawing/2014/main" id="{D50E6C39-7881-E773-7681-5A164968CE66}"/>
+                <a16:creationId xmlns:a16="http://schemas.microsoft.com/office/drawing/2014/main" id="{F12E7996-B0D3-8F1E-7638-51E2B0CFFA26}"/>
               </a:ext>
             </a:extLst>
           </p:cNvPr>
@@ -2062,7 +2062,7 @@
           <a:bodyPr/>
           <a:lstStyle/>
           <a:p>
-            <a:fld id="{226093E1-DAE0-413F-AB00-62F7655970DD}" type="datetimeFigureOut">
+            <a:fld id="{AE024FEE-BE33-49F9-995E-8140768A638C}" type="datetimeFigureOut">
               <a:rPr lang="zh-CN" altLang="en-US" smtClean="0"/>
               <a:t>2024/3/10</a:t>
             </a:fld>
@@ -2075,7 +2075,7 @@
           <p:cNvPr id="3" name="页脚占位符 2">
             <a:extLst>
               <a:ext uri="{FF2B5EF4-FFF2-40B4-BE49-F238E27FC236}">
-                <a16:creationId xmlns:a16="http://schemas.microsoft.com/office/drawing/2014/main" id="{A3C11156-452B-ACEB-2C90-9421CB71697F}"/>
+                <a16:creationId xmlns:a16="http://schemas.microsoft.com/office/drawing/2014/main" id="{85CBF01D-61C0-FA93-B960-77E7594C145E}"/>
               </a:ext>
             </a:extLst>
           </p:cNvPr>
@@ -2100,7 +2100,7 @@
           <p:cNvPr id="4" name="灯片编号占位符 3">
             <a:extLst>
               <a:ext uri="{FF2B5EF4-FFF2-40B4-BE49-F238E27FC236}">
-                <a16:creationId xmlns:a16="http://schemas.microsoft.com/office/drawing/2014/main" id="{34808097-4FF1-8BF1-7BC0-914AA8D78BF7}"/>
+                <a16:creationId xmlns:a16="http://schemas.microsoft.com/office/drawing/2014/main" id="{89C186CD-AE14-234D-A94E-2797441F4027}"/>
               </a:ext>
             </a:extLst>
           </p:cNvPr>
@@ -2116,7 +2116,7 @@
           <a:bodyPr/>
           <a:lstStyle/>
           <a:p>
-            <a:fld id="{7FC79854-85A4-4E76-B7D1-D9D18FBDBE1B}" type="slidenum">
+            <a:fld id="{8912F87E-24AE-4C83-B5FE-200D4BBFC76D}" type="slidenum">
               <a:rPr lang="zh-CN" altLang="en-US" smtClean="0"/>
               <a:t>‹#›</a:t>
             </a:fld>
@@ -2127,7 +2127,7 @@
     </p:spTree>
     <p:extLst>
       <p:ext uri="{BB962C8B-B14F-4D97-AF65-F5344CB8AC3E}">
-        <p14:creationId xmlns:p14="http://schemas.microsoft.com/office/powerpoint/2010/main" val="3875251655"/>
+        <p14:creationId xmlns:p14="http://schemas.microsoft.com/office/powerpoint/2010/main" val="69727548"/>
       </p:ext>
     </p:extLst>
   </p:cSld>
@@ -2159,7 +2159,7 @@
           <p:cNvPr id="2" name="标题 1">
             <a:extLst>
               <a:ext uri="{FF2B5EF4-FFF2-40B4-BE49-F238E27FC236}">
-                <a16:creationId xmlns:a16="http://schemas.microsoft.com/office/drawing/2014/main" id="{EE81F3F5-B2E8-7A18-3F89-1D27A9AA3C2A}"/>
+                <a16:creationId xmlns:a16="http://schemas.microsoft.com/office/drawing/2014/main" id="{12F885AC-9168-AA2B-68E5-6D550618A55E}"/>
               </a:ext>
             </a:extLst>
           </p:cNvPr>
@@ -2196,7 +2196,7 @@
           <p:cNvPr id="3" name="内容占位符 2">
             <a:extLst>
               <a:ext uri="{FF2B5EF4-FFF2-40B4-BE49-F238E27FC236}">
-                <a16:creationId xmlns:a16="http://schemas.microsoft.com/office/drawing/2014/main" id="{B020AC17-F6C8-9A60-FA1B-48253DB39123}"/>
+                <a16:creationId xmlns:a16="http://schemas.microsoft.com/office/drawing/2014/main" id="{011DB477-365C-B618-8AC6-76487AFDE437}"/>
               </a:ext>
             </a:extLst>
           </p:cNvPr>
@@ -2286,7 +2286,7 @@
           <p:cNvPr id="4" name="文本占位符 3">
             <a:extLst>
               <a:ext uri="{FF2B5EF4-FFF2-40B4-BE49-F238E27FC236}">
-                <a16:creationId xmlns:a16="http://schemas.microsoft.com/office/drawing/2014/main" id="{17A74CFC-B57A-13AA-8131-A0CE40F9FD40}"/>
+                <a16:creationId xmlns:a16="http://schemas.microsoft.com/office/drawing/2014/main" id="{36153CE9-1B39-5E4A-B5FE-012FDC50E06D}"/>
               </a:ext>
             </a:extLst>
           </p:cNvPr>
@@ -2357,7 +2357,7 @@
           <p:cNvPr id="5" name="日期占位符 4">
             <a:extLst>
               <a:ext uri="{FF2B5EF4-FFF2-40B4-BE49-F238E27FC236}">
-                <a16:creationId xmlns:a16="http://schemas.microsoft.com/office/drawing/2014/main" id="{C27E6CC6-3FAB-E426-CE08-89051DB4C187}"/>
+                <a16:creationId xmlns:a16="http://schemas.microsoft.com/office/drawing/2014/main" id="{78F3BD47-1438-0485-400A-26D2513C5F65}"/>
               </a:ext>
             </a:extLst>
           </p:cNvPr>
@@ -2373,7 +2373,7 @@
           <a:bodyPr/>
           <a:lstStyle/>
           <a:p>
-            <a:fld id="{226093E1-DAE0-413F-AB00-62F7655970DD}" type="datetimeFigureOut">
+            <a:fld id="{AE024FEE-BE33-49F9-995E-8140768A638C}" type="datetimeFigureOut">
               <a:rPr lang="zh-CN" altLang="en-US" smtClean="0"/>
               <a:t>2024/3/10</a:t>
             </a:fld>
@@ -2386,7 +2386,7 @@
           <p:cNvPr id="6" name="页脚占位符 5">
             <a:extLst>
               <a:ext uri="{FF2B5EF4-FFF2-40B4-BE49-F238E27FC236}">
-                <a16:creationId xmlns:a16="http://schemas.microsoft.com/office/drawing/2014/main" id="{6336DC0A-0CAD-1DEC-1BB1-649FE9929163}"/>
+                <a16:creationId xmlns:a16="http://schemas.microsoft.com/office/drawing/2014/main" id="{ABF80AAD-679C-E615-D6B4-8F361E3EE62C}"/>
               </a:ext>
             </a:extLst>
           </p:cNvPr>
@@ -2411,7 +2411,7 @@
           <p:cNvPr id="7" name="灯片编号占位符 6">
             <a:extLst>
               <a:ext uri="{FF2B5EF4-FFF2-40B4-BE49-F238E27FC236}">
-                <a16:creationId xmlns:a16="http://schemas.microsoft.com/office/drawing/2014/main" id="{3AD1CCB7-1698-9C81-61B5-6FEB187772C2}"/>
+                <a16:creationId xmlns:a16="http://schemas.microsoft.com/office/drawing/2014/main" id="{58BD56C0-914C-D62F-19C7-58B69C0D1F72}"/>
               </a:ext>
             </a:extLst>
           </p:cNvPr>
@@ -2427,7 +2427,7 @@
           <a:bodyPr/>
           <a:lstStyle/>
           <a:p>
-            <a:fld id="{7FC79854-85A4-4E76-B7D1-D9D18FBDBE1B}" type="slidenum">
+            <a:fld id="{8912F87E-24AE-4C83-B5FE-200D4BBFC76D}" type="slidenum">
               <a:rPr lang="zh-CN" altLang="en-US" smtClean="0"/>
               <a:t>‹#›</a:t>
             </a:fld>
@@ -2438,7 +2438,7 @@
     </p:spTree>
     <p:extLst>
       <p:ext uri="{BB962C8B-B14F-4D97-AF65-F5344CB8AC3E}">
-        <p14:creationId xmlns:p14="http://schemas.microsoft.com/office/powerpoint/2010/main" val="116021842"/>
+        <p14:creationId xmlns:p14="http://schemas.microsoft.com/office/powerpoint/2010/main" val="1031479876"/>
       </p:ext>
     </p:extLst>
   </p:cSld>
@@ -2470,7 +2470,7 @@
           <p:cNvPr id="2" name="标题 1">
             <a:extLst>
               <a:ext uri="{FF2B5EF4-FFF2-40B4-BE49-F238E27FC236}">
-                <a16:creationId xmlns:a16="http://schemas.microsoft.com/office/drawing/2014/main" id="{E554CB79-5031-4A8C-5182-7E1CA672B0C5}"/>
+                <a16:creationId xmlns:a16="http://schemas.microsoft.com/office/drawing/2014/main" id="{582586C6-916E-9B40-9006-BD57B88246C5}"/>
               </a:ext>
             </a:extLst>
           </p:cNvPr>
@@ -2507,7 +2507,7 @@
           <p:cNvPr id="3" name="图片占位符 2">
             <a:extLst>
               <a:ext uri="{FF2B5EF4-FFF2-40B4-BE49-F238E27FC236}">
-                <a16:creationId xmlns:a16="http://schemas.microsoft.com/office/drawing/2014/main" id="{380BEAEC-0519-3D4B-9EC8-A7186A53026F}"/>
+                <a16:creationId xmlns:a16="http://schemas.microsoft.com/office/drawing/2014/main" id="{889AF048-23FE-83F4-379C-50FFD85A7BCB}"/>
               </a:ext>
             </a:extLst>
           </p:cNvPr>
@@ -2574,7 +2574,7 @@
           <p:cNvPr id="4" name="文本占位符 3">
             <a:extLst>
               <a:ext uri="{FF2B5EF4-FFF2-40B4-BE49-F238E27FC236}">
-                <a16:creationId xmlns:a16="http://schemas.microsoft.com/office/drawing/2014/main" id="{0485C25C-CFF0-F6C2-74FB-B36C684F37A1}"/>
+                <a16:creationId xmlns:a16="http://schemas.microsoft.com/office/drawing/2014/main" id="{FBF5D381-258E-AD24-34D0-664650101D31}"/>
               </a:ext>
             </a:extLst>
           </p:cNvPr>
@@ -2645,7 +2645,7 @@
           <p:cNvPr id="5" name="日期占位符 4">
             <a:extLst>
               <a:ext uri="{FF2B5EF4-FFF2-40B4-BE49-F238E27FC236}">
-                <a16:creationId xmlns:a16="http://schemas.microsoft.com/office/drawing/2014/main" id="{D7F489DF-9DCE-372E-7ACC-325AEC57883A}"/>
+                <a16:creationId xmlns:a16="http://schemas.microsoft.com/office/drawing/2014/main" id="{C13265ED-5F55-66A8-7B31-89420F1FB2BC}"/>
               </a:ext>
             </a:extLst>
           </p:cNvPr>
@@ -2661,7 +2661,7 @@
           <a:bodyPr/>
           <a:lstStyle/>
           <a:p>
-            <a:fld id="{226093E1-DAE0-413F-AB00-62F7655970DD}" type="datetimeFigureOut">
+            <a:fld id="{AE024FEE-BE33-49F9-995E-8140768A638C}" type="datetimeFigureOut">
               <a:rPr lang="zh-CN" altLang="en-US" smtClean="0"/>
               <a:t>2024/3/10</a:t>
             </a:fld>
@@ -2674,7 +2674,7 @@
           <p:cNvPr id="6" name="页脚占位符 5">
             <a:extLst>
               <a:ext uri="{FF2B5EF4-FFF2-40B4-BE49-F238E27FC236}">
-                <a16:creationId xmlns:a16="http://schemas.microsoft.com/office/drawing/2014/main" id="{09333B25-C160-00A8-08E4-C1DC50B1387F}"/>
+                <a16:creationId xmlns:a16="http://schemas.microsoft.com/office/drawing/2014/main" id="{D30CB47A-92DD-C514-0F9A-99CAB1777234}"/>
               </a:ext>
             </a:extLst>
           </p:cNvPr>
@@ -2699,7 +2699,7 @@
           <p:cNvPr id="7" name="灯片编号占位符 6">
             <a:extLst>
               <a:ext uri="{FF2B5EF4-FFF2-40B4-BE49-F238E27FC236}">
-                <a16:creationId xmlns:a16="http://schemas.microsoft.com/office/drawing/2014/main" id="{1F241769-7B75-E061-72D0-9485D0956297}"/>
+                <a16:creationId xmlns:a16="http://schemas.microsoft.com/office/drawing/2014/main" id="{2C56C308-783D-C5E8-2B59-6448DE21DDED}"/>
               </a:ext>
             </a:extLst>
           </p:cNvPr>
@@ -2715,7 +2715,7 @@
           <a:bodyPr/>
           <a:lstStyle/>
           <a:p>
-            <a:fld id="{7FC79854-85A4-4E76-B7D1-D9D18FBDBE1B}" type="slidenum">
+            <a:fld id="{8912F87E-24AE-4C83-B5FE-200D4BBFC76D}" type="slidenum">
               <a:rPr lang="zh-CN" altLang="en-US" smtClean="0"/>
               <a:t>‹#›</a:t>
             </a:fld>
@@ -2726,7 +2726,7 @@
     </p:spTree>
     <p:extLst>
       <p:ext uri="{BB962C8B-B14F-4D97-AF65-F5344CB8AC3E}">
-        <p14:creationId xmlns:p14="http://schemas.microsoft.com/office/powerpoint/2010/main" val="1839406266"/>
+        <p14:creationId xmlns:p14="http://schemas.microsoft.com/office/powerpoint/2010/main" val="658956264"/>
       </p:ext>
     </p:extLst>
   </p:cSld>
@@ -2763,7 +2763,7 @@
           <p:cNvPr id="2" name="标题占位符 1">
             <a:extLst>
               <a:ext uri="{FF2B5EF4-FFF2-40B4-BE49-F238E27FC236}">
-                <a16:creationId xmlns:a16="http://schemas.microsoft.com/office/drawing/2014/main" id="{4C49434E-4F16-59C0-0846-EE4229DB12FC}"/>
+                <a16:creationId xmlns:a16="http://schemas.microsoft.com/office/drawing/2014/main" id="{D506A9A0-79CF-2AED-B6FE-E787EEF4658E}"/>
               </a:ext>
             </a:extLst>
           </p:cNvPr>
@@ -2801,7 +2801,7 @@
           <p:cNvPr id="3" name="文本占位符 2">
             <a:extLst>
               <a:ext uri="{FF2B5EF4-FFF2-40B4-BE49-F238E27FC236}">
-                <a16:creationId xmlns:a16="http://schemas.microsoft.com/office/drawing/2014/main" id="{A6045FF2-88E6-BD07-559C-3B53CE3BDED0}"/>
+                <a16:creationId xmlns:a16="http://schemas.microsoft.com/office/drawing/2014/main" id="{36F94FEA-F3B7-7F3D-0D27-5F36DE77D384}"/>
               </a:ext>
             </a:extLst>
           </p:cNvPr>
@@ -2868,7 +2868,7 @@
           <p:cNvPr id="4" name="日期占位符 3">
             <a:extLst>
               <a:ext uri="{FF2B5EF4-FFF2-40B4-BE49-F238E27FC236}">
-                <a16:creationId xmlns:a16="http://schemas.microsoft.com/office/drawing/2014/main" id="{05E64896-37F2-23AA-2D47-ABF5A66B74CE}"/>
+                <a16:creationId xmlns:a16="http://schemas.microsoft.com/office/drawing/2014/main" id="{39344CFC-734F-0651-D45C-32DAA1C2DD18}"/>
               </a:ext>
             </a:extLst>
           </p:cNvPr>
@@ -2902,7 +2902,7 @@
             </a:lvl1pPr>
           </a:lstStyle>
           <a:p>
-            <a:fld id="{226093E1-DAE0-413F-AB00-62F7655970DD}" type="datetimeFigureOut">
+            <a:fld id="{AE024FEE-BE33-49F9-995E-8140768A638C}" type="datetimeFigureOut">
               <a:rPr lang="zh-CN" altLang="en-US" smtClean="0"/>
               <a:t>2024/3/10</a:t>
             </a:fld>
@@ -2915,7 +2915,7 @@
           <p:cNvPr id="5" name="页脚占位符 4">
             <a:extLst>
               <a:ext uri="{FF2B5EF4-FFF2-40B4-BE49-F238E27FC236}">
-                <a16:creationId xmlns:a16="http://schemas.microsoft.com/office/drawing/2014/main" id="{140D1596-BB5A-2C69-D762-5082AFD6BBBC}"/>
+                <a16:creationId xmlns:a16="http://schemas.microsoft.com/office/drawing/2014/main" id="{5D914F6A-2256-8C71-66B7-15426D192031}"/>
               </a:ext>
             </a:extLst>
           </p:cNvPr>
@@ -2958,7 +2958,7 @@
           <p:cNvPr id="6" name="灯片编号占位符 5">
             <a:extLst>
               <a:ext uri="{FF2B5EF4-FFF2-40B4-BE49-F238E27FC236}">
-                <a16:creationId xmlns:a16="http://schemas.microsoft.com/office/drawing/2014/main" id="{0123DEDD-0ED9-515C-B12C-BA6A912FA18B}"/>
+                <a16:creationId xmlns:a16="http://schemas.microsoft.com/office/drawing/2014/main" id="{7C0687A4-3F6B-1D16-C368-14979F73ABD1}"/>
               </a:ext>
             </a:extLst>
           </p:cNvPr>
@@ -2992,7 +2992,7 @@
             </a:lvl1pPr>
           </a:lstStyle>
           <a:p>
-            <a:fld id="{7FC79854-85A4-4E76-B7D1-D9D18FBDBE1B}" type="slidenum">
+            <a:fld id="{8912F87E-24AE-4C83-B5FE-200D4BBFC76D}" type="slidenum">
               <a:rPr lang="zh-CN" altLang="en-US" smtClean="0"/>
               <a:t>‹#›</a:t>
             </a:fld>
@@ -3003,7 +3003,7 @@
     </p:spTree>
     <p:extLst>
       <p:ext uri="{BB962C8B-B14F-4D97-AF65-F5344CB8AC3E}">
-        <p14:creationId xmlns:p14="http://schemas.microsoft.com/office/powerpoint/2010/main" val="2704592968"/>
+        <p14:creationId xmlns:p14="http://schemas.microsoft.com/office/powerpoint/2010/main" val="1476008314"/>
       </p:ext>
     </p:extLst>
   </p:cSld>
@@ -3323,7 +3323,7 @@
       </p:grpSpPr>
       <p:pic>
         <p:nvPicPr>
-          <p:cNvPr id="548866" name="Picture 2" descr="535"/>
+          <p:cNvPr id="549890" name="Picture 2" descr="536"/>
           <p:cNvPicPr>
             <a:picLocks noChangeAspect="1" noChangeArrowheads="1"/>
           </p:cNvPicPr>
@@ -3345,7 +3345,7 @@
         <p:spPr bwMode="auto">
           <a:xfrm>
             <a:off x="1524000" y="0"/>
-            <a:ext cx="9144000" cy="6858000"/>
+            <a:ext cx="9144000" cy="4076700"/>
           </a:xfrm>
           <a:prstGeom prst="rect">
             <a:avLst/>
